--- a/IROS17/pictures/pdf/Reflection.pptx
+++ b/IROS17/pictures/pdf/Reflection.pptx
@@ -288,7 +288,7 @@
           <a:p>
             <a:fld id="{E46B84FF-1CFF-E849-8ACF-6EE548EC4909}" type="datetimeFigureOut">
               <a:rPr lang="en-US" smtClean="0"/>
-              <a:t>2/20/17</a:t>
+              <a:t>2/24/17</a:t>
             </a:fld>
             <a:endParaRPr lang="en-US"/>
           </a:p>
@@ -458,7 +458,7 @@
           <a:p>
             <a:fld id="{E46B84FF-1CFF-E849-8ACF-6EE548EC4909}" type="datetimeFigureOut">
               <a:rPr lang="en-US" smtClean="0"/>
-              <a:t>2/20/17</a:t>
+              <a:t>2/24/17</a:t>
             </a:fld>
             <a:endParaRPr lang="en-US"/>
           </a:p>
@@ -638,7 +638,7 @@
           <a:p>
             <a:fld id="{E46B84FF-1CFF-E849-8ACF-6EE548EC4909}" type="datetimeFigureOut">
               <a:rPr lang="en-US" smtClean="0"/>
-              <a:t>2/20/17</a:t>
+              <a:t>2/24/17</a:t>
             </a:fld>
             <a:endParaRPr lang="en-US"/>
           </a:p>
@@ -808,7 +808,7 @@
           <a:p>
             <a:fld id="{E46B84FF-1CFF-E849-8ACF-6EE548EC4909}" type="datetimeFigureOut">
               <a:rPr lang="en-US" smtClean="0"/>
-              <a:t>2/20/17</a:t>
+              <a:t>2/24/17</a:t>
             </a:fld>
             <a:endParaRPr lang="en-US"/>
           </a:p>
@@ -1054,7 +1054,7 @@
           <a:p>
             <a:fld id="{E46B84FF-1CFF-E849-8ACF-6EE548EC4909}" type="datetimeFigureOut">
               <a:rPr lang="en-US" smtClean="0"/>
-              <a:t>2/20/17</a:t>
+              <a:t>2/24/17</a:t>
             </a:fld>
             <a:endParaRPr lang="en-US"/>
           </a:p>
@@ -1342,7 +1342,7 @@
           <a:p>
             <a:fld id="{E46B84FF-1CFF-E849-8ACF-6EE548EC4909}" type="datetimeFigureOut">
               <a:rPr lang="en-US" smtClean="0"/>
-              <a:t>2/20/17</a:t>
+              <a:t>2/24/17</a:t>
             </a:fld>
             <a:endParaRPr lang="en-US"/>
           </a:p>
@@ -1764,7 +1764,7 @@
           <a:p>
             <a:fld id="{E46B84FF-1CFF-E849-8ACF-6EE548EC4909}" type="datetimeFigureOut">
               <a:rPr lang="en-US" smtClean="0"/>
-              <a:t>2/20/17</a:t>
+              <a:t>2/24/17</a:t>
             </a:fld>
             <a:endParaRPr lang="en-US"/>
           </a:p>
@@ -1882,7 +1882,7 @@
           <a:p>
             <a:fld id="{E46B84FF-1CFF-E849-8ACF-6EE548EC4909}" type="datetimeFigureOut">
               <a:rPr lang="en-US" smtClean="0"/>
-              <a:t>2/20/17</a:t>
+              <a:t>2/24/17</a:t>
             </a:fld>
             <a:endParaRPr lang="en-US"/>
           </a:p>
@@ -1977,7 +1977,7 @@
           <a:p>
             <a:fld id="{E46B84FF-1CFF-E849-8ACF-6EE548EC4909}" type="datetimeFigureOut">
               <a:rPr lang="en-US" smtClean="0"/>
-              <a:t>2/20/17</a:t>
+              <a:t>2/24/17</a:t>
             </a:fld>
             <a:endParaRPr lang="en-US"/>
           </a:p>
@@ -2254,7 +2254,7 @@
           <a:p>
             <a:fld id="{E46B84FF-1CFF-E849-8ACF-6EE548EC4909}" type="datetimeFigureOut">
               <a:rPr lang="en-US" smtClean="0"/>
-              <a:t>2/20/17</a:t>
+              <a:t>2/24/17</a:t>
             </a:fld>
             <a:endParaRPr lang="en-US"/>
           </a:p>
@@ -2507,7 +2507,7 @@
           <a:p>
             <a:fld id="{E46B84FF-1CFF-E849-8ACF-6EE548EC4909}" type="datetimeFigureOut">
               <a:rPr lang="en-US" smtClean="0"/>
-              <a:t>2/20/17</a:t>
+              <a:t>2/24/17</a:t>
             </a:fld>
             <a:endParaRPr lang="en-US"/>
           </a:p>
@@ -2720,7 +2720,7 @@
           <a:p>
             <a:fld id="{E46B84FF-1CFF-E849-8ACF-6EE548EC4909}" type="datetimeFigureOut">
               <a:rPr lang="en-US" smtClean="0"/>
-              <a:t>2/20/17</a:t>
+              <a:t>2/24/17</a:t>
             </a:fld>
             <a:endParaRPr lang="en-US"/>
           </a:p>
@@ -3095,56 +3095,414 @@
           <a:chExt cx="0" cy="0"/>
         </a:xfrm>
       </p:grpSpPr>
-      <p:pic>
-        <p:nvPicPr>
-          <p:cNvPr id="18" name="Picture 17" descr="reflection.pdf"/>
-          <p:cNvPicPr>
-            <a:picLocks noChangeAspect="1"/>
-          </p:cNvPicPr>
+      <p:grpSp>
+        <p:nvGrpSpPr>
+          <p:cNvPr id="4" name="Group 3"/>
+          <p:cNvGrpSpPr/>
           <p:nvPr/>
-        </p:nvPicPr>
-        <p:blipFill>
-          <a:blip r:embed="rId2">
-            <a:extLst>
-              <a:ext uri="{28A0092B-C50C-407E-A947-70E740481C1C}">
-                <a14:useLocalDpi xmlns:a14="http://schemas.microsoft.com/office/drawing/2010/main" val="0"/>
-              </a:ext>
-            </a:extLst>
-          </a:blip>
-          <a:stretch>
-            <a:fillRect/>
-          </a:stretch>
-        </p:blipFill>
-        <p:spPr>
+        </p:nvGrpSpPr>
+        <p:grpSpPr>
           <a:xfrm>
             <a:off x="-1" y="-1"/>
-            <a:ext cx="6876143" cy="6876143"/>
+            <a:ext cx="7315201" cy="6876143"/>
+            <a:chOff x="-1" y="-1"/>
+            <a:chExt cx="7315201" cy="6876143"/>
           </a:xfrm>
-          <a:prstGeom prst="rect">
-            <a:avLst/>
-          </a:prstGeom>
-        </p:spPr>
-      </p:pic>
+        </p:grpSpPr>
+        <p:pic>
+          <p:nvPicPr>
+            <p:cNvPr id="18" name="Picture 17" descr="reflection.pdf"/>
+            <p:cNvPicPr>
+              <a:picLocks noChangeAspect="1"/>
+            </p:cNvPicPr>
+            <p:nvPr/>
+          </p:nvPicPr>
+          <p:blipFill>
+            <a:blip r:embed="rId2">
+              <a:extLst>
+                <a:ext uri="{28A0092B-C50C-407E-A947-70E740481C1C}">
+                  <a14:useLocalDpi xmlns:a14="http://schemas.microsoft.com/office/drawing/2010/main" val="0"/>
+                </a:ext>
+              </a:extLst>
+            </a:blip>
+            <a:stretch>
+              <a:fillRect/>
+            </a:stretch>
+          </p:blipFill>
+          <p:spPr>
+            <a:xfrm>
+              <a:off x="-1" y="-1"/>
+              <a:ext cx="6876143" cy="6876143"/>
+            </a:xfrm>
+            <a:prstGeom prst="rect">
+              <a:avLst/>
+            </a:prstGeom>
+          </p:spPr>
+        </p:pic>
+        <p:cxnSp>
+          <p:nvCxnSpPr>
+            <p:cNvPr id="19" name="Straight Arrow Connector 18"/>
+            <p:cNvCxnSpPr/>
+            <p:nvPr/>
+          </p:nvCxnSpPr>
+          <p:spPr>
+            <a:xfrm flipV="1">
+              <a:off x="6694714" y="2376714"/>
+              <a:ext cx="526143" cy="489857"/>
+            </a:xfrm>
+            <a:prstGeom prst="straightConnector1">
+              <a:avLst/>
+            </a:prstGeom>
+            <a:ln w="38100" cap="flat" cmpd="sng">
+              <a:solidFill>
+                <a:srgbClr val="FC28FF"/>
+              </a:solidFill>
+              <a:prstDash val="sysDot"/>
+              <a:tailEnd type="stealth" w="med" len="lg"/>
+            </a:ln>
+          </p:spPr>
+          <p:style>
+            <a:lnRef idx="2">
+              <a:schemeClr val="accent1"/>
+            </a:lnRef>
+            <a:fillRef idx="0">
+              <a:schemeClr val="accent1"/>
+            </a:fillRef>
+            <a:effectRef idx="1">
+              <a:schemeClr val="accent1"/>
+            </a:effectRef>
+            <a:fontRef idx="minor">
+              <a:schemeClr val="tx1"/>
+            </a:fontRef>
+          </p:style>
+        </p:cxnSp>
+        <p:cxnSp>
+          <p:nvCxnSpPr>
+            <p:cNvPr id="20" name="Straight Arrow Connector 19"/>
+            <p:cNvCxnSpPr/>
+            <p:nvPr/>
+          </p:nvCxnSpPr>
+          <p:spPr>
+            <a:xfrm>
+              <a:off x="6150429" y="2376714"/>
+              <a:ext cx="1070428" cy="0"/>
+            </a:xfrm>
+            <a:prstGeom prst="straightConnector1">
+              <a:avLst/>
+            </a:prstGeom>
+            <a:ln w="38100" cmpd="sng">
+              <a:prstDash val="dash"/>
+              <a:headEnd type="stealth" w="med" len="lg"/>
+              <a:tailEnd type="stealth" w="med" len="lg"/>
+            </a:ln>
+          </p:spPr>
+          <p:style>
+            <a:lnRef idx="2">
+              <a:schemeClr val="accent1"/>
+            </a:lnRef>
+            <a:fillRef idx="0">
+              <a:schemeClr val="accent1"/>
+            </a:fillRef>
+            <a:effectRef idx="1">
+              <a:schemeClr val="accent1"/>
+            </a:effectRef>
+            <a:fontRef idx="minor">
+              <a:schemeClr val="tx1"/>
+            </a:fontRef>
+          </p:style>
+        </p:cxnSp>
+        <p:sp>
+          <p:nvSpPr>
+            <p:cNvPr id="21" name="Right Brace 20"/>
+            <p:cNvSpPr/>
+            <p:nvPr/>
+          </p:nvSpPr>
+          <p:spPr>
+            <a:xfrm rot="16200000">
+              <a:off x="6490803" y="1537800"/>
+              <a:ext cx="353398" cy="1070429"/>
+            </a:xfrm>
+            <a:prstGeom prst="rightBrace">
+              <a:avLst/>
+            </a:prstGeom>
+            <a:ln w="38100" cap="flat" cmpd="sng">
+              <a:round/>
+            </a:ln>
+          </p:spPr>
+          <p:style>
+            <a:lnRef idx="2">
+              <a:schemeClr val="accent1"/>
+            </a:lnRef>
+            <a:fillRef idx="0">
+              <a:schemeClr val="accent1"/>
+            </a:fillRef>
+            <a:effectRef idx="1">
+              <a:schemeClr val="accent1"/>
+            </a:effectRef>
+            <a:fontRef idx="minor">
+              <a:schemeClr val="tx1"/>
+            </a:fontRef>
+          </p:style>
+          <p:txBody>
+            <a:bodyPr rtlCol="0" anchor="ctr"/>
+            <a:lstStyle/>
+            <a:p>
+              <a:pPr algn="ctr"/>
+              <a:endParaRPr lang="en-US"/>
+            </a:p>
+          </p:txBody>
+        </p:sp>
+        <p:sp>
+          <p:nvSpPr>
+            <p:cNvPr id="22" name="TextBox 21"/>
+            <p:cNvSpPr txBox="1"/>
+            <p:nvPr/>
+          </p:nvSpPr>
+          <p:spPr>
+            <a:xfrm>
+              <a:off x="4771762" y="1249984"/>
+              <a:ext cx="2123281" cy="646331"/>
+            </a:xfrm>
+            <a:prstGeom prst="rect">
+              <a:avLst/>
+            </a:prstGeom>
+            <a:noFill/>
+          </p:spPr>
+          <p:txBody>
+            <a:bodyPr wrap="square" rtlCol="0">
+              <a:spAutoFit/>
+            </a:bodyPr>
+            <a:lstStyle/>
+            <a:p>
+              <a:pPr algn="ctr"/>
+              <a:r>
+                <a:rPr lang="en-US" dirty="0" smtClean="0">
+                  <a:latin typeface="Arial"/>
+                  <a:cs typeface="Arial"/>
+                </a:rPr>
+                <a:t>Reflection of the goal on the wall</a:t>
+              </a:r>
+              <a:endParaRPr lang="en-US" dirty="0">
+                <a:latin typeface="Arial"/>
+                <a:cs typeface="Arial"/>
+              </a:endParaRPr>
+            </a:p>
+          </p:txBody>
+        </p:sp>
+        <p:sp>
+          <p:nvSpPr>
+            <p:cNvPr id="2" name="Oval 1"/>
+            <p:cNvSpPr/>
+            <p:nvPr/>
+          </p:nvSpPr>
+          <p:spPr>
+            <a:xfrm>
+              <a:off x="6989386" y="2203733"/>
+              <a:ext cx="325814" cy="345962"/>
+            </a:xfrm>
+            <a:prstGeom prst="ellipse">
+              <a:avLst/>
+            </a:prstGeom>
+            <a:noFill/>
+            <a:ln w="38100" cmpd="sng">
+              <a:solidFill>
+                <a:srgbClr val="FB02FF"/>
+              </a:solidFill>
+            </a:ln>
+          </p:spPr>
+          <p:style>
+            <a:lnRef idx="1">
+              <a:schemeClr val="accent1"/>
+            </a:lnRef>
+            <a:fillRef idx="3">
+              <a:schemeClr val="accent1"/>
+            </a:fillRef>
+            <a:effectRef idx="2">
+              <a:schemeClr val="accent1"/>
+            </a:effectRef>
+            <a:fontRef idx="minor">
+              <a:schemeClr val="lt1"/>
+            </a:fontRef>
+          </p:style>
+          <p:txBody>
+            <a:bodyPr rtlCol="0" anchor="ctr"/>
+            <a:lstStyle/>
+            <a:p>
+              <a:pPr algn="ctr"/>
+              <a:endParaRPr lang="en-US"/>
+            </a:p>
+          </p:txBody>
+        </p:sp>
+        <p:sp>
+          <p:nvSpPr>
+            <p:cNvPr id="3" name="TextBox 2"/>
+            <p:cNvSpPr txBox="1"/>
+            <p:nvPr/>
+          </p:nvSpPr>
+          <p:spPr>
+            <a:xfrm>
+              <a:off x="3190240" y="3982720"/>
+              <a:ext cx="558800" cy="369332"/>
+            </a:xfrm>
+            <a:prstGeom prst="rect">
+              <a:avLst/>
+            </a:prstGeom>
+            <a:noFill/>
+          </p:spPr>
+          <p:txBody>
+            <a:bodyPr wrap="square" rtlCol="0">
+              <a:spAutoFit/>
+            </a:bodyPr>
+            <a:lstStyle/>
+            <a:p>
+              <a:r>
+                <a:rPr lang="en-US" dirty="0" smtClean="0"/>
+                <a:t>m3</a:t>
+              </a:r>
+              <a:endParaRPr lang="en-US" dirty="0"/>
+            </a:p>
+          </p:txBody>
+        </p:sp>
+        <p:sp>
+          <p:nvSpPr>
+            <p:cNvPr id="9" name="TextBox 8"/>
+            <p:cNvSpPr txBox="1"/>
+            <p:nvPr/>
+          </p:nvSpPr>
+          <p:spPr>
+            <a:xfrm>
+              <a:off x="3973656" y="2866571"/>
+              <a:ext cx="558800" cy="369332"/>
+            </a:xfrm>
+            <a:prstGeom prst="rect">
+              <a:avLst/>
+            </a:prstGeom>
+            <a:noFill/>
+          </p:spPr>
+          <p:txBody>
+            <a:bodyPr wrap="square" rtlCol="0">
+              <a:spAutoFit/>
+            </a:bodyPr>
+            <a:lstStyle/>
+            <a:p>
+              <a:r>
+                <a:rPr lang="en-US" dirty="0" smtClean="0"/>
+                <a:t>m2</a:t>
+              </a:r>
+              <a:endParaRPr lang="en-US" dirty="0"/>
+            </a:p>
+          </p:txBody>
+        </p:sp>
+        <p:sp>
+          <p:nvSpPr>
+            <p:cNvPr id="10" name="TextBox 9"/>
+            <p:cNvSpPr txBox="1"/>
+            <p:nvPr/>
+          </p:nvSpPr>
+          <p:spPr>
+            <a:xfrm>
+              <a:off x="2098040" y="2237546"/>
+              <a:ext cx="558800" cy="369332"/>
+            </a:xfrm>
+            <a:prstGeom prst="rect">
+              <a:avLst/>
+            </a:prstGeom>
+            <a:noFill/>
+          </p:spPr>
+          <p:txBody>
+            <a:bodyPr wrap="square" rtlCol="0">
+              <a:spAutoFit/>
+            </a:bodyPr>
+            <a:lstStyle/>
+            <a:p>
+              <a:r>
+                <a:rPr lang="en-US" dirty="0" smtClean="0"/>
+                <a:t>m1</a:t>
+              </a:r>
+              <a:endParaRPr lang="en-US" dirty="0"/>
+            </a:p>
+          </p:txBody>
+        </p:sp>
+        <p:sp>
+          <p:nvSpPr>
+            <p:cNvPr id="11" name="TextBox 10"/>
+            <p:cNvSpPr txBox="1"/>
+            <p:nvPr/>
+          </p:nvSpPr>
+          <p:spPr>
+            <a:xfrm>
+              <a:off x="5871029" y="3492919"/>
+              <a:ext cx="558800" cy="369332"/>
+            </a:xfrm>
+            <a:prstGeom prst="rect">
+              <a:avLst/>
+            </a:prstGeom>
+            <a:noFill/>
+          </p:spPr>
+          <p:txBody>
+            <a:bodyPr wrap="square" rtlCol="0">
+              <a:spAutoFit/>
+            </a:bodyPr>
+            <a:lstStyle/>
+            <a:p>
+              <a:r>
+                <a:rPr lang="en-US" dirty="0" smtClean="0"/>
+                <a:t>m1</a:t>
+              </a:r>
+              <a:endParaRPr lang="en-US" dirty="0"/>
+            </a:p>
+          </p:txBody>
+        </p:sp>
+        <p:sp>
+          <p:nvSpPr>
+            <p:cNvPr id="12" name="TextBox 11"/>
+            <p:cNvSpPr txBox="1"/>
+            <p:nvPr/>
+          </p:nvSpPr>
+          <p:spPr>
+            <a:xfrm>
+              <a:off x="6125756" y="2600290"/>
+              <a:ext cx="558800" cy="369332"/>
+            </a:xfrm>
+            <a:prstGeom prst="rect">
+              <a:avLst/>
+            </a:prstGeom>
+            <a:noFill/>
+          </p:spPr>
+          <p:txBody>
+            <a:bodyPr wrap="square" rtlCol="0">
+              <a:spAutoFit/>
+            </a:bodyPr>
+            <a:lstStyle/>
+            <a:p>
+              <a:r>
+                <a:rPr lang="en-US" dirty="0" smtClean="0"/>
+                <a:t>m3</a:t>
+              </a:r>
+              <a:endParaRPr lang="en-US" dirty="0"/>
+            </a:p>
+          </p:txBody>
+        </p:sp>
+      </p:grpSp>
       <p:cxnSp>
         <p:nvCxnSpPr>
-          <p:cNvPr id="19" name="Straight Arrow Connector 18"/>
+          <p:cNvPr id="6" name="Straight Arrow Connector 5"/>
           <p:cNvCxnSpPr/>
           <p:nvPr/>
         </p:nvCxnSpPr>
         <p:spPr>
-          <a:xfrm flipV="1">
-            <a:off x="6694714" y="2376714"/>
-            <a:ext cx="526143" cy="489857"/>
+          <a:xfrm>
+            <a:off x="3592720" y="1759546"/>
+            <a:ext cx="230886" cy="0"/>
           </a:xfrm>
           <a:prstGeom prst="straightConnector1">
             <a:avLst/>
           </a:prstGeom>
-          <a:ln w="38100" cap="flat" cmpd="sng">
+          <a:ln>
             <a:solidFill>
-              <a:srgbClr val="FC28FF"/>
+              <a:schemeClr val="tx1"/>
             </a:solidFill>
-            <a:prstDash val="sysDot"/>
-            <a:tailEnd type="stealth" w="med" len="lg"/>
+            <a:tailEnd type="arrow"/>
           </a:ln>
         </p:spPr>
         <p:style>
@@ -3164,22 +3522,23 @@
       </p:cxnSp>
       <p:cxnSp>
         <p:nvCxnSpPr>
-          <p:cNvPr id="20" name="Straight Arrow Connector 19"/>
+          <p:cNvPr id="8" name="Straight Arrow Connector 7"/>
           <p:cNvCxnSpPr/>
           <p:nvPr/>
         </p:nvCxnSpPr>
         <p:spPr>
           <a:xfrm>
-            <a:off x="6150429" y="2376714"/>
-            <a:ext cx="1070428" cy="0"/>
+            <a:off x="3823606" y="1779084"/>
+            <a:ext cx="0" cy="2421685"/>
           </a:xfrm>
           <a:prstGeom prst="straightConnector1">
             <a:avLst/>
           </a:prstGeom>
-          <a:ln w="38100" cmpd="sng">
-            <a:prstDash val="dash"/>
-            <a:headEnd type="stealth" w="med" len="lg"/>
-            <a:tailEnd type="stealth" w="med" len="lg"/>
+          <a:ln>
+            <a:solidFill>
+              <a:schemeClr val="tx1"/>
+            </a:solidFill>
+            <a:tailEnd type="arrow"/>
           </a:ln>
         </p:spPr>
         <p:style>
@@ -3199,55 +3558,14 @@
       </p:cxnSp>
       <p:sp>
         <p:nvSpPr>
-          <p:cNvPr id="21" name="Right Brace 20"/>
-          <p:cNvSpPr/>
-          <p:nvPr/>
-        </p:nvSpPr>
-        <p:spPr>
-          <a:xfrm rot="16200000">
-            <a:off x="6490803" y="1537800"/>
-            <a:ext cx="353398" cy="1070429"/>
-          </a:xfrm>
-          <a:prstGeom prst="rightBrace">
-            <a:avLst/>
-          </a:prstGeom>
-          <a:ln w="38100" cap="flat" cmpd="sng">
-            <a:round/>
-          </a:ln>
-        </p:spPr>
-        <p:style>
-          <a:lnRef idx="2">
-            <a:schemeClr val="accent1"/>
-          </a:lnRef>
-          <a:fillRef idx="0">
-            <a:schemeClr val="accent1"/>
-          </a:fillRef>
-          <a:effectRef idx="1">
-            <a:schemeClr val="accent1"/>
-          </a:effectRef>
-          <a:fontRef idx="minor">
-            <a:schemeClr val="tx1"/>
-          </a:fontRef>
-        </p:style>
-        <p:txBody>
-          <a:bodyPr rtlCol="0" anchor="ctr"/>
-          <a:lstStyle/>
-          <a:p>
-            <a:pPr algn="ctr"/>
-            <a:endParaRPr lang="en-US"/>
-          </a:p>
-        </p:txBody>
-      </p:sp>
-      <p:sp>
-        <p:nvSpPr>
-          <p:cNvPr id="22" name="TextBox 21"/>
+          <p:cNvPr id="15" name="TextBox 14"/>
           <p:cNvSpPr txBox="1"/>
           <p:nvPr/>
         </p:nvSpPr>
         <p:spPr>
           <a:xfrm>
-            <a:off x="4771762" y="1249984"/>
-            <a:ext cx="2123281" cy="646331"/>
+            <a:off x="3381437" y="1308599"/>
+            <a:ext cx="715686" cy="369332"/>
           </a:xfrm>
           <a:prstGeom prst="rect">
             <a:avLst/>
@@ -3260,18 +3578,41 @@
           </a:bodyPr>
           <a:lstStyle/>
           <a:p>
-            <a:pPr algn="ctr"/>
-            <a:r>
-              <a:rPr lang="en-US" dirty="0" smtClean="0">
-                <a:latin typeface="Arial"/>
-                <a:cs typeface="Arial"/>
-              </a:rPr>
-              <a:t>Reflection of the goal on the wall</a:t>
-            </a:r>
-            <a:endParaRPr lang="en-US" dirty="0">
-              <a:latin typeface="Arial"/>
-              <a:cs typeface="Arial"/>
-            </a:endParaRPr>
+            <a:r>
+              <a:rPr lang="en-US" dirty="0" err="1" smtClean="0"/>
+              <a:t>Δex</a:t>
+            </a:r>
+            <a:endParaRPr lang="en-US" dirty="0"/>
+          </a:p>
+        </p:txBody>
+      </p:sp>
+      <p:sp>
+        <p:nvSpPr>
+          <p:cNvPr id="23" name="TextBox 22"/>
+          <p:cNvSpPr txBox="1"/>
+          <p:nvPr/>
+        </p:nvSpPr>
+        <p:spPr>
+          <a:xfrm>
+            <a:off x="4010141" y="1834401"/>
+            <a:ext cx="715686" cy="369332"/>
+          </a:xfrm>
+          <a:prstGeom prst="rect">
+            <a:avLst/>
+          </a:prstGeom>
+          <a:noFill/>
+        </p:spPr>
+        <p:txBody>
+          <a:bodyPr wrap="square" rtlCol="0">
+            <a:spAutoFit/>
+          </a:bodyPr>
+          <a:lstStyle/>
+          <a:p>
+            <a:r>
+              <a:rPr lang="en-US" dirty="0" err="1" smtClean="0"/>
+              <a:t>Δey</a:t>
+            </a:r>
+            <a:endParaRPr lang="en-US" dirty="0"/>
           </a:p>
         </p:txBody>
       </p:sp>

--- a/IROS17/pictures/pdf/Reflection.pptx
+++ b/IROS17/pictures/pdf/Reflection.pptx
@@ -288,7 +288,7 @@
           <a:p>
             <a:fld id="{E46B84FF-1CFF-E849-8ACF-6EE548EC4909}" type="datetimeFigureOut">
               <a:rPr lang="en-US" smtClean="0"/>
-              <a:t>2/24/17</a:t>
+              <a:t>2/27/17</a:t>
             </a:fld>
             <a:endParaRPr lang="en-US"/>
           </a:p>
@@ -458,7 +458,7 @@
           <a:p>
             <a:fld id="{E46B84FF-1CFF-E849-8ACF-6EE548EC4909}" type="datetimeFigureOut">
               <a:rPr lang="en-US" smtClean="0"/>
-              <a:t>2/24/17</a:t>
+              <a:t>2/27/17</a:t>
             </a:fld>
             <a:endParaRPr lang="en-US"/>
           </a:p>
@@ -638,7 +638,7 @@
           <a:p>
             <a:fld id="{E46B84FF-1CFF-E849-8ACF-6EE548EC4909}" type="datetimeFigureOut">
               <a:rPr lang="en-US" smtClean="0"/>
-              <a:t>2/24/17</a:t>
+              <a:t>2/27/17</a:t>
             </a:fld>
             <a:endParaRPr lang="en-US"/>
           </a:p>
@@ -808,7 +808,7 @@
           <a:p>
             <a:fld id="{E46B84FF-1CFF-E849-8ACF-6EE548EC4909}" type="datetimeFigureOut">
               <a:rPr lang="en-US" smtClean="0"/>
-              <a:t>2/24/17</a:t>
+              <a:t>2/27/17</a:t>
             </a:fld>
             <a:endParaRPr lang="en-US"/>
           </a:p>
@@ -1054,7 +1054,7 @@
           <a:p>
             <a:fld id="{E46B84FF-1CFF-E849-8ACF-6EE548EC4909}" type="datetimeFigureOut">
               <a:rPr lang="en-US" smtClean="0"/>
-              <a:t>2/24/17</a:t>
+              <a:t>2/27/17</a:t>
             </a:fld>
             <a:endParaRPr lang="en-US"/>
           </a:p>
@@ -1342,7 +1342,7 @@
           <a:p>
             <a:fld id="{E46B84FF-1CFF-E849-8ACF-6EE548EC4909}" type="datetimeFigureOut">
               <a:rPr lang="en-US" smtClean="0"/>
-              <a:t>2/24/17</a:t>
+              <a:t>2/27/17</a:t>
             </a:fld>
             <a:endParaRPr lang="en-US"/>
           </a:p>
@@ -1764,7 +1764,7 @@
           <a:p>
             <a:fld id="{E46B84FF-1CFF-E849-8ACF-6EE548EC4909}" type="datetimeFigureOut">
               <a:rPr lang="en-US" smtClean="0"/>
-              <a:t>2/24/17</a:t>
+              <a:t>2/27/17</a:t>
             </a:fld>
             <a:endParaRPr lang="en-US"/>
           </a:p>
@@ -1882,7 +1882,7 @@
           <a:p>
             <a:fld id="{E46B84FF-1CFF-E849-8ACF-6EE548EC4909}" type="datetimeFigureOut">
               <a:rPr lang="en-US" smtClean="0"/>
-              <a:t>2/24/17</a:t>
+              <a:t>2/27/17</a:t>
             </a:fld>
             <a:endParaRPr lang="en-US"/>
           </a:p>
@@ -1977,7 +1977,7 @@
           <a:p>
             <a:fld id="{E46B84FF-1CFF-E849-8ACF-6EE548EC4909}" type="datetimeFigureOut">
               <a:rPr lang="en-US" smtClean="0"/>
-              <a:t>2/24/17</a:t>
+              <a:t>2/27/17</a:t>
             </a:fld>
             <a:endParaRPr lang="en-US"/>
           </a:p>
@@ -2254,7 +2254,7 @@
           <a:p>
             <a:fld id="{E46B84FF-1CFF-E849-8ACF-6EE548EC4909}" type="datetimeFigureOut">
               <a:rPr lang="en-US" smtClean="0"/>
-              <a:t>2/24/17</a:t>
+              <a:t>2/27/17</a:t>
             </a:fld>
             <a:endParaRPr lang="en-US"/>
           </a:p>
@@ -2507,7 +2507,7 @@
           <a:p>
             <a:fld id="{E46B84FF-1CFF-E849-8ACF-6EE548EC4909}" type="datetimeFigureOut">
               <a:rPr lang="en-US" smtClean="0"/>
-              <a:t>2/24/17</a:t>
+              <a:t>2/27/17</a:t>
             </a:fld>
             <a:endParaRPr lang="en-US"/>
           </a:p>
@@ -2720,7 +2720,7 @@
           <a:p>
             <a:fld id="{E46B84FF-1CFF-E849-8ACF-6EE548EC4909}" type="datetimeFigureOut">
               <a:rPr lang="en-US" smtClean="0"/>
-              <a:t>2/24/17</a:t>
+              <a:t>2/27/17</a:t>
             </a:fld>
             <a:endParaRPr lang="en-US"/>
           </a:p>
@@ -3357,9 +3357,13 @@
             <a:p>
               <a:r>
                 <a:rPr lang="en-US" dirty="0" smtClean="0"/>
-                <a:t>m3</a:t>
+                <a:t>m</a:t>
               </a:r>
-              <a:endParaRPr lang="en-US" dirty="0"/>
+              <a:r>
+                <a:rPr lang="en-US" baseline="-25000" dirty="0" smtClean="0"/>
+                <a:t>3</a:t>
+              </a:r>
+              <a:endParaRPr lang="en-US" baseline="-25000" dirty="0"/>
             </a:p>
           </p:txBody>
         </p:sp>
@@ -3387,9 +3391,13 @@
             <a:p>
               <a:r>
                 <a:rPr lang="en-US" dirty="0" smtClean="0"/>
-                <a:t>m2</a:t>
+                <a:t>m</a:t>
               </a:r>
-              <a:endParaRPr lang="en-US" dirty="0"/>
+              <a:r>
+                <a:rPr lang="en-US" baseline="-25000" dirty="0" smtClean="0"/>
+                <a:t>2</a:t>
+              </a:r>
+              <a:endParaRPr lang="en-US" baseline="-25000" dirty="0"/>
             </a:p>
           </p:txBody>
         </p:sp>
@@ -3417,9 +3425,13 @@
             <a:p>
               <a:r>
                 <a:rPr lang="en-US" dirty="0" smtClean="0"/>
-                <a:t>m1</a:t>
+                <a:t>m</a:t>
               </a:r>
-              <a:endParaRPr lang="en-US" dirty="0"/>
+              <a:r>
+                <a:rPr lang="en-US" baseline="-25000" dirty="0" smtClean="0"/>
+                <a:t>1</a:t>
+              </a:r>
+              <a:endParaRPr lang="en-US" baseline="-25000" dirty="0"/>
             </a:p>
           </p:txBody>
         </p:sp>
@@ -3447,9 +3459,13 @@
             <a:p>
               <a:r>
                 <a:rPr lang="en-US" dirty="0" smtClean="0"/>
-                <a:t>m1</a:t>
+                <a:t>m</a:t>
               </a:r>
-              <a:endParaRPr lang="en-US" dirty="0"/>
+              <a:r>
+                <a:rPr lang="en-US" baseline="-25000" dirty="0" smtClean="0"/>
+                <a:t>1</a:t>
+              </a:r>
+              <a:endParaRPr lang="en-US" baseline="-25000" dirty="0"/>
             </a:p>
           </p:txBody>
         </p:sp>
@@ -3477,9 +3493,13 @@
             <a:p>
               <a:r>
                 <a:rPr lang="en-US" dirty="0" smtClean="0"/>
-                <a:t>m3</a:t>
+                <a:t>m</a:t>
               </a:r>
-              <a:endParaRPr lang="en-US" dirty="0"/>
+              <a:r>
+                <a:rPr lang="en-US" baseline="-25000" dirty="0" smtClean="0"/>
+                <a:t>3</a:t>
+              </a:r>
+              <a:endParaRPr lang="en-US" baseline="-25000" dirty="0"/>
             </a:p>
           </p:txBody>
         </p:sp>

--- a/IROS17/pictures/pdf/Reflection.pptx
+++ b/IROS17/pictures/pdf/Reflection.pptx
@@ -3104,9 +3104,9 @@
         <p:grpSpPr>
           <a:xfrm>
             <a:off x="-1" y="-1"/>
-            <a:ext cx="7315201" cy="6876143"/>
+            <a:ext cx="8548968" cy="6876143"/>
             <a:chOff x="-1" y="-1"/>
-            <a:chExt cx="7315201" cy="6876143"/>
+            <a:chExt cx="8548968" cy="6876143"/>
           </a:xfrm>
         </p:grpSpPr>
         <p:pic>
@@ -3260,8 +3260,8 @@
           </p:nvSpPr>
           <p:spPr>
             <a:xfrm>
-              <a:off x="4771762" y="1249984"/>
-              <a:ext cx="2123281" cy="646331"/>
+              <a:off x="4096395" y="1077765"/>
+              <a:ext cx="4452572" cy="646331"/>
             </a:xfrm>
             <a:prstGeom prst="rect">
               <a:avLst/>
@@ -3276,15 +3276,15 @@
             <a:p>
               <a:pPr algn="ctr"/>
               <a:r>
-                <a:rPr lang="en-US" dirty="0" smtClean="0">
-                  <a:latin typeface="Arial"/>
-                  <a:cs typeface="Arial"/>
+                <a:rPr lang="en-US" sz="3600" dirty="0" smtClean="0">
+                  <a:latin typeface="Times New Roman"/>
+                  <a:cs typeface="Times New Roman"/>
                 </a:rPr>
-                <a:t>Reflection of the goal on the wall</a:t>
+                <a:t>Reflection</a:t>
               </a:r>
-              <a:endParaRPr lang="en-US" dirty="0">
-                <a:latin typeface="Arial"/>
-                <a:cs typeface="Arial"/>
+              <a:endParaRPr lang="en-US" sz="3600" dirty="0">
+                <a:latin typeface="Times New Roman"/>
+                <a:cs typeface="Times New Roman"/>
               </a:endParaRPr>
             </a:p>
           </p:txBody>
@@ -3341,8 +3341,8 @@
           </p:nvSpPr>
           <p:spPr>
             <a:xfrm>
-              <a:off x="3190240" y="3982720"/>
-              <a:ext cx="558800" cy="369332"/>
+              <a:off x="2994840" y="3767802"/>
+              <a:ext cx="991270" cy="830997"/>
             </a:xfrm>
             <a:prstGeom prst="rect">
               <a:avLst/>
@@ -3356,14 +3356,23 @@
             <a:lstStyle/>
             <a:p>
               <a:r>
-                <a:rPr lang="en-US" dirty="0" smtClean="0"/>
+                <a:rPr lang="en-US" sz="4800" i="1" dirty="0" smtClean="0">
+                  <a:latin typeface="Times New Roman"/>
+                  <a:cs typeface="Times New Roman"/>
+                </a:rPr>
                 <a:t>m</a:t>
               </a:r>
               <a:r>
-                <a:rPr lang="en-US" baseline="-25000" dirty="0" smtClean="0"/>
+                <a:rPr lang="en-US" sz="4800" i="1" baseline="-25000" dirty="0" smtClean="0">
+                  <a:latin typeface="Times New Roman"/>
+                  <a:cs typeface="Times New Roman"/>
+                </a:rPr>
                 <a:t>3</a:t>
               </a:r>
-              <a:endParaRPr lang="en-US" baseline="-25000" dirty="0"/>
+              <a:endParaRPr lang="en-US" sz="4800" i="1" baseline="-25000" dirty="0">
+                <a:latin typeface="Times New Roman"/>
+                <a:cs typeface="Times New Roman"/>
+              </a:endParaRPr>
             </a:p>
           </p:txBody>
         </p:sp>
@@ -3375,8 +3384,8 @@
           </p:nvSpPr>
           <p:spPr>
             <a:xfrm>
-              <a:off x="3973656" y="2866571"/>
-              <a:ext cx="558800" cy="369332"/>
+              <a:off x="2874675" y="2506063"/>
+              <a:ext cx="928620" cy="830997"/>
             </a:xfrm>
             <a:prstGeom prst="rect">
               <a:avLst/>
@@ -3390,14 +3399,23 @@
             <a:lstStyle/>
             <a:p>
               <a:r>
-                <a:rPr lang="en-US" dirty="0" smtClean="0"/>
+                <a:rPr lang="en-US" sz="4800" i="1" dirty="0" smtClean="0">
+                  <a:latin typeface="Times New Roman"/>
+                  <a:cs typeface="Times New Roman"/>
+                </a:rPr>
                 <a:t>m</a:t>
               </a:r>
               <a:r>
-                <a:rPr lang="en-US" baseline="-25000" dirty="0" smtClean="0"/>
+                <a:rPr lang="en-US" sz="4800" i="1" baseline="-25000" dirty="0" smtClean="0">
+                  <a:latin typeface="Times New Roman"/>
+                  <a:cs typeface="Times New Roman"/>
+                </a:rPr>
                 <a:t>2</a:t>
               </a:r>
-              <a:endParaRPr lang="en-US" baseline="-25000" dirty="0"/>
+              <a:endParaRPr lang="en-US" sz="4800" i="1" baseline="-25000" dirty="0">
+                <a:latin typeface="Times New Roman"/>
+                <a:cs typeface="Times New Roman"/>
+              </a:endParaRPr>
             </a:p>
           </p:txBody>
         </p:sp>
@@ -3409,8 +3427,8 @@
           </p:nvSpPr>
           <p:spPr>
             <a:xfrm>
-              <a:off x="2098040" y="2237546"/>
-              <a:ext cx="558800" cy="369332"/>
+              <a:off x="1543642" y="2031461"/>
+              <a:ext cx="1367215" cy="830997"/>
             </a:xfrm>
             <a:prstGeom prst="rect">
               <a:avLst/>
@@ -3424,82 +3442,23 @@
             <a:lstStyle/>
             <a:p>
               <a:r>
-                <a:rPr lang="en-US" dirty="0" smtClean="0"/>
+                <a:rPr lang="en-US" sz="4800" i="1" dirty="0" smtClean="0">
+                  <a:latin typeface="Times New Roman"/>
+                  <a:cs typeface="Times New Roman"/>
+                </a:rPr>
                 <a:t>m</a:t>
               </a:r>
               <a:r>
-                <a:rPr lang="en-US" baseline="-25000" dirty="0" smtClean="0"/>
+                <a:rPr lang="en-US" sz="4800" i="1" baseline="-25000" dirty="0" smtClean="0">
+                  <a:latin typeface="Times New Roman"/>
+                  <a:cs typeface="Times New Roman"/>
+                </a:rPr>
                 <a:t>1</a:t>
               </a:r>
-              <a:endParaRPr lang="en-US" baseline="-25000" dirty="0"/>
-            </a:p>
-          </p:txBody>
-        </p:sp>
-        <p:sp>
-          <p:nvSpPr>
-            <p:cNvPr id="11" name="TextBox 10"/>
-            <p:cNvSpPr txBox="1"/>
-            <p:nvPr/>
-          </p:nvSpPr>
-          <p:spPr>
-            <a:xfrm>
-              <a:off x="5871029" y="3492919"/>
-              <a:ext cx="558800" cy="369332"/>
-            </a:xfrm>
-            <a:prstGeom prst="rect">
-              <a:avLst/>
-            </a:prstGeom>
-            <a:noFill/>
-          </p:spPr>
-          <p:txBody>
-            <a:bodyPr wrap="square" rtlCol="0">
-              <a:spAutoFit/>
-            </a:bodyPr>
-            <a:lstStyle/>
-            <a:p>
-              <a:r>
-                <a:rPr lang="en-US" dirty="0" smtClean="0"/>
-                <a:t>m</a:t>
-              </a:r>
-              <a:r>
-                <a:rPr lang="en-US" baseline="-25000" dirty="0" smtClean="0"/>
-                <a:t>1</a:t>
-              </a:r>
-              <a:endParaRPr lang="en-US" baseline="-25000" dirty="0"/>
-            </a:p>
-          </p:txBody>
-        </p:sp>
-        <p:sp>
-          <p:nvSpPr>
-            <p:cNvPr id="12" name="TextBox 11"/>
-            <p:cNvSpPr txBox="1"/>
-            <p:nvPr/>
-          </p:nvSpPr>
-          <p:spPr>
-            <a:xfrm>
-              <a:off x="6125756" y="2600290"/>
-              <a:ext cx="558800" cy="369332"/>
-            </a:xfrm>
-            <a:prstGeom prst="rect">
-              <a:avLst/>
-            </a:prstGeom>
-            <a:noFill/>
-          </p:spPr>
-          <p:txBody>
-            <a:bodyPr wrap="square" rtlCol="0">
-              <a:spAutoFit/>
-            </a:bodyPr>
-            <a:lstStyle/>
-            <a:p>
-              <a:r>
-                <a:rPr lang="en-US" dirty="0" smtClean="0"/>
-                <a:t>m</a:t>
-              </a:r>
-              <a:r>
-                <a:rPr lang="en-US" baseline="-25000" dirty="0" smtClean="0"/>
-                <a:t>3</a:t>
-              </a:r>
-              <a:endParaRPr lang="en-US" baseline="-25000" dirty="0"/>
+              <a:endParaRPr lang="en-US" sz="4800" i="1" baseline="-25000" dirty="0">
+                <a:latin typeface="Times New Roman"/>
+                <a:cs typeface="Times New Roman"/>
+              </a:endParaRPr>
             </a:p>
           </p:txBody>
         </p:sp>
@@ -3584,8 +3543,8 @@
         </p:nvSpPr>
         <p:spPr>
           <a:xfrm>
-            <a:off x="3381437" y="1308599"/>
-            <a:ext cx="715686" cy="369332"/>
+            <a:off x="2945752" y="834485"/>
+            <a:ext cx="2128777" cy="830997"/>
           </a:xfrm>
           <a:prstGeom prst="rect">
             <a:avLst/>
@@ -3599,10 +3558,16 @@
           <a:lstStyle/>
           <a:p>
             <a:r>
-              <a:rPr lang="en-US" dirty="0" err="1" smtClean="0"/>
-              <a:t>Δex</a:t>
-            </a:r>
-            <a:endParaRPr lang="en-US" dirty="0"/>
+              <a:rPr lang="en-US" sz="4800" dirty="0" err="1" smtClean="0">
+                <a:latin typeface="Times New Roman"/>
+                <a:cs typeface="Times New Roman"/>
+              </a:rPr>
+              <a:t>Δe.x</a:t>
+            </a:r>
+            <a:endParaRPr lang="en-US" sz="4800" dirty="0">
+              <a:latin typeface="Times New Roman"/>
+              <a:cs typeface="Times New Roman"/>
+            </a:endParaRPr>
           </a:p>
         </p:txBody>
       </p:sp>
@@ -3614,8 +3579,8 @@
         </p:nvSpPr>
         <p:spPr>
           <a:xfrm>
-            <a:off x="4010141" y="1834401"/>
-            <a:ext cx="715686" cy="369332"/>
+            <a:off x="3900995" y="2031461"/>
+            <a:ext cx="1402374" cy="830997"/>
           </a:xfrm>
           <a:prstGeom prst="rect">
             <a:avLst/>
@@ -3629,10 +3594,102 @@
           <a:lstStyle/>
           <a:p>
             <a:r>
-              <a:rPr lang="en-US" dirty="0" err="1" smtClean="0"/>
-              <a:t>Δey</a:t>
-            </a:r>
-            <a:endParaRPr lang="en-US" dirty="0"/>
+              <a:rPr lang="en-US" sz="4800" dirty="0" err="1" smtClean="0">
+                <a:latin typeface="Times New Roman"/>
+                <a:cs typeface="Times New Roman"/>
+              </a:rPr>
+              <a:t>Δe.y</a:t>
+            </a:r>
+            <a:endParaRPr lang="en-US" sz="4800" dirty="0">
+              <a:latin typeface="Times New Roman"/>
+              <a:cs typeface="Times New Roman"/>
+            </a:endParaRPr>
+          </a:p>
+        </p:txBody>
+      </p:sp>
+      <p:sp>
+        <p:nvSpPr>
+          <p:cNvPr id="24" name="TextBox 23"/>
+          <p:cNvSpPr txBox="1"/>
+          <p:nvPr/>
+        </p:nvSpPr>
+        <p:spPr>
+          <a:xfrm>
+            <a:off x="5752494" y="2255692"/>
+            <a:ext cx="991270" cy="830997"/>
+          </a:xfrm>
+          <a:prstGeom prst="rect">
+            <a:avLst/>
+          </a:prstGeom>
+          <a:noFill/>
+        </p:spPr>
+        <p:txBody>
+          <a:bodyPr wrap="square" rtlCol="0">
+            <a:spAutoFit/>
+          </a:bodyPr>
+          <a:lstStyle/>
+          <a:p>
+            <a:r>
+              <a:rPr lang="en-US" sz="4800" i="1" dirty="0" smtClean="0">
+                <a:latin typeface="Times New Roman"/>
+                <a:cs typeface="Times New Roman"/>
+              </a:rPr>
+              <a:t>m</a:t>
+            </a:r>
+            <a:r>
+              <a:rPr lang="en-US" sz="4800" i="1" baseline="-25000" dirty="0" smtClean="0">
+                <a:latin typeface="Times New Roman"/>
+                <a:cs typeface="Times New Roman"/>
+              </a:rPr>
+              <a:t>3</a:t>
+            </a:r>
+            <a:endParaRPr lang="en-US" sz="4800" i="1" baseline="-25000" dirty="0">
+              <a:latin typeface="Times New Roman"/>
+              <a:cs typeface="Times New Roman"/>
+            </a:endParaRPr>
+          </a:p>
+        </p:txBody>
+      </p:sp>
+      <p:sp>
+        <p:nvSpPr>
+          <p:cNvPr id="25" name="TextBox 24"/>
+          <p:cNvSpPr txBox="1"/>
+          <p:nvPr/>
+        </p:nvSpPr>
+        <p:spPr>
+          <a:xfrm>
+            <a:off x="5784686" y="3345789"/>
+            <a:ext cx="1367215" cy="830997"/>
+          </a:xfrm>
+          <a:prstGeom prst="rect">
+            <a:avLst/>
+          </a:prstGeom>
+          <a:noFill/>
+        </p:spPr>
+        <p:txBody>
+          <a:bodyPr wrap="square" rtlCol="0">
+            <a:spAutoFit/>
+          </a:bodyPr>
+          <a:lstStyle/>
+          <a:p>
+            <a:r>
+              <a:rPr lang="en-US" sz="4800" i="1" dirty="0" smtClean="0">
+                <a:latin typeface="Times New Roman"/>
+                <a:cs typeface="Times New Roman"/>
+              </a:rPr>
+              <a:t>m</a:t>
+            </a:r>
+            <a:r>
+              <a:rPr lang="en-US" sz="4800" i="1" baseline="-25000" dirty="0" smtClean="0">
+                <a:latin typeface="Times New Roman"/>
+                <a:cs typeface="Times New Roman"/>
+              </a:rPr>
+              <a:t>1</a:t>
+            </a:r>
+            <a:endParaRPr lang="en-US" sz="4800" i="1" baseline="-25000" dirty="0">
+              <a:latin typeface="Times New Roman"/>
+              <a:cs typeface="Times New Roman"/>
+            </a:endParaRPr>
           </a:p>
         </p:txBody>
       </p:sp>

--- a/IROS17/pictures/pdf/Reflection.pptx
+++ b/IROS17/pictures/pdf/Reflection.pptx
@@ -288,7 +288,7 @@
           <a:p>
             <a:fld id="{E46B84FF-1CFF-E849-8ACF-6EE548EC4909}" type="datetimeFigureOut">
               <a:rPr lang="en-US" smtClean="0"/>
-              <a:t>2/27/17</a:t>
+              <a:t>3/28/17</a:t>
             </a:fld>
             <a:endParaRPr lang="en-US"/>
           </a:p>
@@ -458,7 +458,7 @@
           <a:p>
             <a:fld id="{E46B84FF-1CFF-E849-8ACF-6EE548EC4909}" type="datetimeFigureOut">
               <a:rPr lang="en-US" smtClean="0"/>
-              <a:t>2/27/17</a:t>
+              <a:t>3/28/17</a:t>
             </a:fld>
             <a:endParaRPr lang="en-US"/>
           </a:p>
@@ -638,7 +638,7 @@
           <a:p>
             <a:fld id="{E46B84FF-1CFF-E849-8ACF-6EE548EC4909}" type="datetimeFigureOut">
               <a:rPr lang="en-US" smtClean="0"/>
-              <a:t>2/27/17</a:t>
+              <a:t>3/28/17</a:t>
             </a:fld>
             <a:endParaRPr lang="en-US"/>
           </a:p>
@@ -808,7 +808,7 @@
           <a:p>
             <a:fld id="{E46B84FF-1CFF-E849-8ACF-6EE548EC4909}" type="datetimeFigureOut">
               <a:rPr lang="en-US" smtClean="0"/>
-              <a:t>2/27/17</a:t>
+              <a:t>3/28/17</a:t>
             </a:fld>
             <a:endParaRPr lang="en-US"/>
           </a:p>
@@ -1054,7 +1054,7 @@
           <a:p>
             <a:fld id="{E46B84FF-1CFF-E849-8ACF-6EE548EC4909}" type="datetimeFigureOut">
               <a:rPr lang="en-US" smtClean="0"/>
-              <a:t>2/27/17</a:t>
+              <a:t>3/28/17</a:t>
             </a:fld>
             <a:endParaRPr lang="en-US"/>
           </a:p>
@@ -1342,7 +1342,7 @@
           <a:p>
             <a:fld id="{E46B84FF-1CFF-E849-8ACF-6EE548EC4909}" type="datetimeFigureOut">
               <a:rPr lang="en-US" smtClean="0"/>
-              <a:t>2/27/17</a:t>
+              <a:t>3/28/17</a:t>
             </a:fld>
             <a:endParaRPr lang="en-US"/>
           </a:p>
@@ -1764,7 +1764,7 @@
           <a:p>
             <a:fld id="{E46B84FF-1CFF-E849-8ACF-6EE548EC4909}" type="datetimeFigureOut">
               <a:rPr lang="en-US" smtClean="0"/>
-              <a:t>2/27/17</a:t>
+              <a:t>3/28/17</a:t>
             </a:fld>
             <a:endParaRPr lang="en-US"/>
           </a:p>
@@ -1882,7 +1882,7 @@
           <a:p>
             <a:fld id="{E46B84FF-1CFF-E849-8ACF-6EE548EC4909}" type="datetimeFigureOut">
               <a:rPr lang="en-US" smtClean="0"/>
-              <a:t>2/27/17</a:t>
+              <a:t>3/28/17</a:t>
             </a:fld>
             <a:endParaRPr lang="en-US"/>
           </a:p>
@@ -1977,7 +1977,7 @@
           <a:p>
             <a:fld id="{E46B84FF-1CFF-E849-8ACF-6EE548EC4909}" type="datetimeFigureOut">
               <a:rPr lang="en-US" smtClean="0"/>
-              <a:t>2/27/17</a:t>
+              <a:t>3/28/17</a:t>
             </a:fld>
             <a:endParaRPr lang="en-US"/>
           </a:p>
@@ -2254,7 +2254,7 @@
           <a:p>
             <a:fld id="{E46B84FF-1CFF-E849-8ACF-6EE548EC4909}" type="datetimeFigureOut">
               <a:rPr lang="en-US" smtClean="0"/>
-              <a:t>2/27/17</a:t>
+              <a:t>3/28/17</a:t>
             </a:fld>
             <a:endParaRPr lang="en-US"/>
           </a:p>
@@ -2507,7 +2507,7 @@
           <a:p>
             <a:fld id="{E46B84FF-1CFF-E849-8ACF-6EE548EC4909}" type="datetimeFigureOut">
               <a:rPr lang="en-US" smtClean="0"/>
-              <a:t>2/27/17</a:t>
+              <a:t>3/28/17</a:t>
             </a:fld>
             <a:endParaRPr lang="en-US"/>
           </a:p>
@@ -2720,7 +2720,7 @@
           <a:p>
             <a:fld id="{E46B84FF-1CFF-E849-8ACF-6EE548EC4909}" type="datetimeFigureOut">
               <a:rPr lang="en-US" smtClean="0"/>
-              <a:t>2/27/17</a:t>
+              <a:t>3/28/17</a:t>
             </a:fld>
             <a:endParaRPr lang="en-US"/>
           </a:p>
@@ -3103,10 +3103,10 @@
         </p:nvGrpSpPr>
         <p:grpSpPr>
           <a:xfrm>
-            <a:off x="-1" y="-1"/>
-            <a:ext cx="8548968" cy="6876143"/>
-            <a:chOff x="-1" y="-1"/>
-            <a:chExt cx="8548968" cy="6876143"/>
+            <a:off x="-1" y="-1137963"/>
+            <a:ext cx="7315201" cy="8014105"/>
+            <a:chOff x="-1" y="-1137963"/>
+            <a:chExt cx="7315201" cy="8014105"/>
           </a:xfrm>
         </p:grpSpPr>
         <p:pic>
@@ -3259,9 +3259,9 @@
             <p:nvPr/>
           </p:nvSpPr>
           <p:spPr>
-            <a:xfrm>
-              <a:off x="4096395" y="1077765"/>
-              <a:ext cx="4452572" cy="646331"/>
+            <a:xfrm rot="16200000">
+              <a:off x="4311335" y="780546"/>
+              <a:ext cx="4452572" cy="615553"/>
             </a:xfrm>
             <a:prstGeom prst="rect">
               <a:avLst/>
@@ -3276,13 +3276,19 @@
             <a:p>
               <a:pPr algn="ctr"/>
               <a:r>
-                <a:rPr lang="en-US" sz="3600" dirty="0" smtClean="0">
+                <a:rPr lang="en-US" sz="3400" b="1" dirty="0" smtClean="0">
+                  <a:effectLst>
+                    <a:reflection dist="76200" dir="5400000" sy="-100000" algn="bl" rotWithShape="0"/>
+                  </a:effectLst>
                   <a:latin typeface="Times New Roman"/>
                   <a:cs typeface="Times New Roman"/>
                 </a:rPr>
                 <a:t>Reflection</a:t>
               </a:r>
-              <a:endParaRPr lang="en-US" sz="3600" dirty="0">
+              <a:endParaRPr lang="en-US" sz="3400" b="1" dirty="0">
+                <a:effectLst>
+                  <a:reflection dist="76200" dir="5400000" sy="-100000" algn="bl" rotWithShape="0"/>
+                </a:effectLst>
                 <a:latin typeface="Times New Roman"/>
                 <a:cs typeface="Times New Roman"/>
               </a:endParaRPr>
